--- a/lectures/10-manual-scrolling-tile-map.pptx
+++ b/lectures/10-manual-scrolling-tile-map.pptx
@@ -228,7 +228,7 @@
           <a:p>
             <a:fld id="{5A5D9C48-5678-9443-958E-9EAAE3ED0F2B}" type="datetimeFigureOut">
               <a:rPr lang="en-US" smtClean="0"/>
-              <a:t>2/19/20</a:t>
+              <a:t>3/24/20</a:t>
             </a:fld>
             <a:endParaRPr lang="en-US"/>
           </a:p>
@@ -544,174 +544,6 @@
               <a:buFont typeface="Arial" panose="020B0604020202020204" pitchFamily="34" charset="0"/>
               <a:buChar char="•"/>
             </a:pPr>
-            <a:r>
-              <a:rPr lang="en-NZ" dirty="0" smtClean="0"/>
-              <a:t>In most modern 2D games, the game world is larger than can be displayed in a single screen</a:t>
-            </a:r>
-          </a:p>
-          <a:p>
-            <a:pPr marL="171450" indent="-171450">
-              <a:buFont typeface="Arial" panose="020B0604020202020204" pitchFamily="34" charset="0"/>
-              <a:buChar char="•"/>
-            </a:pPr>
-            <a:endParaRPr lang="en-NZ" dirty="0" smtClean="0"/>
-          </a:p>
-          <a:p>
-            <a:pPr marL="171450" indent="-171450">
-              <a:buFont typeface="Arial" panose="020B0604020202020204" pitchFamily="34" charset="0"/>
-              <a:buChar char="•"/>
-            </a:pPr>
-            <a:r>
-              <a:rPr lang="en-NZ" dirty="0" smtClean="0"/>
-              <a:t>The screen displays just a portion of the world, and during game play, in response to movement of a player character (in, e.g. RPGs) or in response to manual navigation by the player (in e.g. city builders), that portion changes</a:t>
-            </a:r>
-          </a:p>
-          <a:p>
-            <a:pPr marL="171450" indent="-171450">
-              <a:buFont typeface="Arial" panose="020B0604020202020204" pitchFamily="34" charset="0"/>
-              <a:buChar char="•"/>
-            </a:pPr>
-            <a:endParaRPr lang="en-NZ" dirty="0" smtClean="0"/>
-          </a:p>
-          <a:p>
-            <a:pPr marL="171450" indent="-171450">
-              <a:buFont typeface="Arial" panose="020B0604020202020204" pitchFamily="34" charset="0"/>
-              <a:buChar char="•"/>
-            </a:pPr>
-            <a:r>
-              <a:rPr lang="en-NZ" dirty="0" smtClean="0"/>
-              <a:t>This movement is called scrolling</a:t>
-            </a:r>
-            <a:br>
-              <a:rPr lang="en-NZ" dirty="0" smtClean="0"/>
-            </a:br>
-            <a:endParaRPr lang="en-NZ" dirty="0" smtClean="0"/>
-          </a:p>
-          <a:p>
-            <a:pPr marL="171450" indent="-171450">
-              <a:buFont typeface="Arial" panose="020B0604020202020204" pitchFamily="34" charset="0"/>
-              <a:buChar char="•"/>
-            </a:pPr>
-            <a:r>
-              <a:rPr lang="en-NZ" dirty="0" smtClean="0"/>
-              <a:t>In a scrolling game, the Tile Mapping technique is the same, except the map is bigger than the screen</a:t>
-            </a:r>
-            <a:br>
-              <a:rPr lang="en-NZ" dirty="0" smtClean="0"/>
-            </a:br>
-            <a:endParaRPr lang="en-NZ" dirty="0" smtClean="0"/>
-          </a:p>
-          <a:p>
-            <a:pPr marL="171450" indent="-171450">
-              <a:buFont typeface="Arial" panose="020B0604020202020204" pitchFamily="34" charset="0"/>
-              <a:buChar char="•"/>
-            </a:pPr>
-            <a:r>
-              <a:rPr lang="en-NZ" dirty="0" smtClean="0"/>
-              <a:t>We think of the area that shows on the screen as being seen through a viewport, that slides around</a:t>
-            </a:r>
-            <a:br>
-              <a:rPr lang="en-NZ" dirty="0" smtClean="0"/>
-            </a:br>
-            <a:endParaRPr lang="en-NZ" dirty="0" smtClean="0"/>
-          </a:p>
-          <a:p>
-            <a:pPr marL="171450" indent="-171450">
-              <a:buFont typeface="Arial" panose="020B0604020202020204" pitchFamily="34" charset="0"/>
-              <a:buChar char="•"/>
-            </a:pPr>
-            <a:r>
-              <a:rPr lang="en-NZ" dirty="0" smtClean="0"/>
-              <a:t>When there is a player character, the viewport is usually positioned so that the player is in the centre as it moves (i.e. it follows the player character around)</a:t>
-            </a:r>
-            <a:br>
-              <a:rPr lang="en-NZ" dirty="0" smtClean="0"/>
-            </a:br>
-            <a:endParaRPr lang="en-NZ" dirty="0" smtClean="0"/>
-          </a:p>
-          <a:p>
-            <a:pPr marL="171450" indent="-171450">
-              <a:buFont typeface="Arial" panose="020B0604020202020204" pitchFamily="34" charset="0"/>
-              <a:buChar char="•"/>
-            </a:pPr>
-            <a:r>
-              <a:rPr lang="en-NZ" dirty="0" smtClean="0"/>
-              <a:t>Implementing scrolling is complicated. It requires management of even more coordinate spaces, and there is some maths. Therefore, we approach it in a couple of stages</a:t>
-            </a:r>
-          </a:p>
-          <a:p>
-            <a:pPr marL="171450" indent="-171450">
-              <a:buFont typeface="Arial" panose="020B0604020202020204" pitchFamily="34" charset="0"/>
-              <a:buChar char="•"/>
-            </a:pPr>
-            <a:endParaRPr lang="en-NZ" dirty="0" smtClean="0"/>
-          </a:p>
-          <a:p>
-            <a:pPr marL="171450" indent="-171450">
-              <a:buFont typeface="Arial" panose="020B0604020202020204" pitchFamily="34" charset="0"/>
-              <a:buChar char="•"/>
-            </a:pPr>
-            <a:r>
-              <a:rPr lang="en-NZ" dirty="0" smtClean="0"/>
-              <a:t>We will first talk about the core mechanics and computation of scrolling</a:t>
-            </a:r>
-          </a:p>
-          <a:p>
-            <a:pPr marL="171450" indent="-171450">
-              <a:buFont typeface="Arial" panose="020B0604020202020204" pitchFamily="34" charset="0"/>
-              <a:buChar char="•"/>
-            </a:pPr>
-            <a:endParaRPr lang="en-NZ" dirty="0" smtClean="0"/>
-          </a:p>
-          <a:p>
-            <a:pPr marL="171450" indent="-171450">
-              <a:buFont typeface="Arial" panose="020B0604020202020204" pitchFamily="34" charset="0"/>
-              <a:buChar char="•"/>
-            </a:pPr>
-            <a:r>
-              <a:rPr lang="en-NZ" dirty="0" smtClean="0"/>
-              <a:t>Then we will look at manual scrolling</a:t>
-            </a:r>
-          </a:p>
-          <a:p>
-            <a:pPr marL="171450" indent="-171450">
-              <a:buFont typeface="Arial" panose="020B0604020202020204" pitchFamily="34" charset="0"/>
-              <a:buChar char="•"/>
-            </a:pPr>
-            <a:endParaRPr lang="en-NZ" dirty="0" smtClean="0"/>
-          </a:p>
-          <a:p>
-            <a:pPr marL="171450" indent="-171450">
-              <a:buFont typeface="Arial" panose="020B0604020202020204" pitchFamily="34" charset="0"/>
-              <a:buChar char="•"/>
-            </a:pPr>
-            <a:r>
-              <a:rPr lang="en-NZ" dirty="0" smtClean="0"/>
-              <a:t>Then we will look at how to scroll around a moving player character</a:t>
-            </a:r>
-          </a:p>
-          <a:p>
-            <a:pPr marL="171450" indent="-171450">
-              <a:buFont typeface="Arial" panose="020B0604020202020204" pitchFamily="34" charset="0"/>
-              <a:buChar char="•"/>
-            </a:pPr>
-            <a:endParaRPr lang="en-NZ" dirty="0" smtClean="0"/>
-          </a:p>
-          <a:p>
-            <a:pPr marL="171450" indent="-171450">
-              <a:buFont typeface="Arial" panose="020B0604020202020204" pitchFamily="34" charset="0"/>
-              <a:buChar char="•"/>
-            </a:pPr>
-            <a:r>
-              <a:rPr lang="en-NZ" dirty="0" smtClean="0"/>
-              <a:t>Finally, we will add sprites to the map – they must appear only when their portion of the world is visible</a:t>
-            </a:r>
-          </a:p>
-          <a:p>
-            <a:pPr marL="171450" indent="-171450">
-              <a:buFont typeface="Arial" panose="020B0604020202020204" pitchFamily="34" charset="0"/>
-              <a:buChar char="•"/>
-            </a:pPr>
             <a:endParaRPr lang="en-NZ" dirty="0" smtClean="0"/>
           </a:p>
         </p:txBody>
@@ -797,90 +629,6 @@
           <a:lstStyle/>
           <a:p>
             <a:pPr marL="171450" indent="-171450">
-              <a:buFont typeface="Arial" charset="0"/>
-              <a:buChar char="•"/>
-            </a:pPr>
-            <a:r>
-              <a:rPr lang="en-US" sz="1200" kern="1200" dirty="0" smtClean="0">
-                <a:solidFill>
-                  <a:schemeClr val="tx1"/>
-                </a:solidFill>
-                <a:effectLst/>
-                <a:latin typeface="+mn-lt"/>
-                <a:ea typeface="+mn-ea"/>
-                <a:cs typeface="+mn-cs"/>
-              </a:rPr>
-              <a:t>We will need more methods as we go. These are to get started with manual movement</a:t>
-            </a:r>
-          </a:p>
-          <a:p>
-            <a:pPr marL="171450" indent="-171450">
-              <a:buFont typeface="Arial" charset="0"/>
-              <a:buChar char="•"/>
-            </a:pPr>
-            <a:endParaRPr lang="en-US" sz="1200" kern="1200" dirty="0" smtClean="0">
-              <a:solidFill>
-                <a:schemeClr val="tx1"/>
-              </a:solidFill>
-              <a:effectLst/>
-              <a:latin typeface="+mn-lt"/>
-              <a:ea typeface="+mn-ea"/>
-              <a:cs typeface="+mn-cs"/>
-            </a:endParaRPr>
-          </a:p>
-          <a:p>
-            <a:pPr marL="171450" indent="-171450">
-              <a:buFont typeface="Arial" charset="0"/>
-              <a:buChar char="•"/>
-            </a:pPr>
-            <a:r>
-              <a:rPr lang="en-US" sz="1200" kern="1200" dirty="0" smtClean="0">
-                <a:solidFill>
-                  <a:schemeClr val="tx1"/>
-                </a:solidFill>
-                <a:effectLst/>
-                <a:latin typeface="+mn-lt"/>
-                <a:ea typeface="+mn-ea"/>
-                <a:cs typeface="+mn-cs"/>
-              </a:rPr>
-              <a:t>Here we pass the distance to move into the move method as arguments</a:t>
-            </a:r>
-          </a:p>
-          <a:p>
-            <a:pPr marL="171450" indent="-171450">
-              <a:buFont typeface="Arial" charset="0"/>
-              <a:buChar char="•"/>
-            </a:pPr>
-            <a:endParaRPr lang="en-US" sz="1200" kern="1200" dirty="0" smtClean="0">
-              <a:solidFill>
-                <a:schemeClr val="tx1"/>
-              </a:solidFill>
-              <a:effectLst/>
-              <a:latin typeface="+mn-lt"/>
-              <a:ea typeface="+mn-ea"/>
-              <a:cs typeface="+mn-cs"/>
-            </a:endParaRPr>
-          </a:p>
-          <a:p>
-            <a:pPr marL="171450" indent="-171450">
-              <a:buFont typeface="Arial" charset="0"/>
-              <a:buChar char="•"/>
-            </a:pPr>
-            <a:r>
-              <a:rPr lang="en-US" sz="1200" kern="1200" dirty="0" smtClean="0">
-                <a:solidFill>
-                  <a:schemeClr val="tx1"/>
-                </a:solidFill>
-                <a:effectLst/>
-                <a:latin typeface="+mn-lt"/>
-                <a:ea typeface="+mn-ea"/>
-                <a:cs typeface="+mn-cs"/>
-              </a:rPr>
-              <a:t>You could also give the Viewport x and y velocities</a:t>
-            </a:r>
-          </a:p>
-          <a:p>
-            <a:pPr marL="171450" indent="-171450">
               <a:buFont typeface="Arial" panose="020B0604020202020204" pitchFamily="34" charset="0"/>
               <a:buChar char="•"/>
             </a:pPr>
@@ -1057,147 +805,6 @@
           <a:lstStyle/>
           <a:p>
             <a:pPr marL="171450" indent="-171450">
-              <a:buFont typeface="Arial" charset="0"/>
-              <a:buChar char="•"/>
-            </a:pPr>
-            <a:r>
-              <a:rPr lang="en-US" sz="1200" kern="1200" dirty="0" smtClean="0">
-                <a:solidFill>
-                  <a:schemeClr val="tx1"/>
-                </a:solidFill>
-                <a:effectLst/>
-                <a:latin typeface="+mn-lt"/>
-                <a:ea typeface="+mn-ea"/>
-                <a:cs typeface="+mn-cs"/>
-              </a:rPr>
-              <a:t>In a more code-like format</a:t>
-            </a:r>
-          </a:p>
-          <a:p>
-            <a:pPr marL="171450" indent="-171450">
-              <a:buFont typeface="Arial" charset="0"/>
-              <a:buChar char="•"/>
-            </a:pPr>
-            <a:endParaRPr lang="en-US" sz="1200" kern="1200" dirty="0" smtClean="0">
-              <a:solidFill>
-                <a:schemeClr val="tx1"/>
-              </a:solidFill>
-              <a:effectLst/>
-              <a:latin typeface="+mn-lt"/>
-              <a:ea typeface="+mn-ea"/>
-              <a:cs typeface="+mn-cs"/>
-            </a:endParaRPr>
-          </a:p>
-          <a:p>
-            <a:pPr marL="171450" indent="-171450">
-              <a:buFont typeface="Arial" charset="0"/>
-              <a:buChar char="•"/>
-            </a:pPr>
-            <a:r>
-              <a:rPr lang="en-US" sz="1200" kern="1200" dirty="0" smtClean="0">
-                <a:solidFill>
-                  <a:schemeClr val="tx1"/>
-                </a:solidFill>
-                <a:effectLst/>
-                <a:latin typeface="+mn-lt"/>
-                <a:ea typeface="+mn-ea"/>
-                <a:cs typeface="+mn-cs"/>
-              </a:rPr>
-              <a:t>So there are three things we must do:</a:t>
-            </a:r>
-          </a:p>
-          <a:p>
-            <a:pPr marL="628650" lvl="1" indent="-171450">
-              <a:buFont typeface="Arial" charset="0"/>
-              <a:buChar char="•"/>
-            </a:pPr>
-            <a:r>
-              <a:rPr lang="en-US" sz="1200" kern="1200" dirty="0" smtClean="0">
-                <a:solidFill>
-                  <a:schemeClr val="tx1"/>
-                </a:solidFill>
-                <a:effectLst/>
-                <a:latin typeface="+mn-lt"/>
-                <a:ea typeface="+mn-ea"/>
-                <a:cs typeface="+mn-cs"/>
-              </a:rPr>
-              <a:t>Figure out where in the world tile map to start</a:t>
-            </a:r>
-          </a:p>
-          <a:p>
-            <a:pPr marL="628650" lvl="1" indent="-171450">
-              <a:buFont typeface="Arial" charset="0"/>
-              <a:buChar char="•"/>
-            </a:pPr>
-            <a:r>
-              <a:rPr lang="en-US" sz="1200" kern="1200" dirty="0" smtClean="0">
-                <a:solidFill>
-                  <a:schemeClr val="tx1"/>
-                </a:solidFill>
-                <a:effectLst/>
-                <a:latin typeface="+mn-lt"/>
-                <a:ea typeface="+mn-ea"/>
-                <a:cs typeface="+mn-cs"/>
-              </a:rPr>
-              <a:t>Get each corresponding tile bitmap</a:t>
-            </a:r>
-          </a:p>
-          <a:p>
-            <a:pPr marL="628650" lvl="1" indent="-171450">
-              <a:buFont typeface="Arial" charset="0"/>
-              <a:buChar char="•"/>
-            </a:pPr>
-            <a:r>
-              <a:rPr lang="en-US" sz="1200" kern="1200" dirty="0" smtClean="0">
-                <a:solidFill>
-                  <a:schemeClr val="tx1"/>
-                </a:solidFill>
-                <a:effectLst/>
-                <a:latin typeface="+mn-lt"/>
-                <a:ea typeface="+mn-ea"/>
-                <a:cs typeface="+mn-cs"/>
-              </a:rPr>
-              <a:t>Figure out where to draw it with DrawImage</a:t>
-            </a:r>
-          </a:p>
-          <a:p>
-            <a:endParaRPr lang="en-US" sz="1200" kern="1200" dirty="0" smtClean="0">
-              <a:solidFill>
-                <a:schemeClr val="tx1"/>
-              </a:solidFill>
-              <a:effectLst/>
-              <a:latin typeface="+mn-lt"/>
-              <a:ea typeface="+mn-ea"/>
-              <a:cs typeface="+mn-cs"/>
-            </a:endParaRPr>
-          </a:p>
-          <a:p>
-            <a:pPr marL="171450" indent="-171450">
-              <a:buFont typeface="Arial" charset="0"/>
-              <a:buChar char="•"/>
-            </a:pPr>
-            <a:r>
-              <a:rPr lang="en-US" sz="1200" kern="1200" dirty="0" smtClean="0">
-                <a:solidFill>
-                  <a:schemeClr val="tx1"/>
-                </a:solidFill>
-                <a:effectLst/>
-                <a:latin typeface="+mn-lt"/>
-                <a:ea typeface="+mn-ea"/>
-                <a:cs typeface="+mn-cs"/>
-              </a:rPr>
-              <a:t>We will talk generally about the logic of each step in turn – there is more detail in the handout</a:t>
-            </a:r>
-          </a:p>
-          <a:p>
-            <a:pPr marL="171450" indent="-171450">
-              <a:buFont typeface="Arial" panose="020B0604020202020204" pitchFamily="34" charset="0"/>
-              <a:buChar char="•"/>
-            </a:pPr>
-            <a:endParaRPr lang="en-NZ" dirty="0" smtClean="0"/>
-          </a:p>
-          <a:p>
-            <a:pPr marL="171450" indent="-171450">
               <a:buFont typeface="Arial" panose="020B0604020202020204" pitchFamily="34" charset="0"/>
               <a:buChar char="•"/>
             </a:pPr>
@@ -1289,96 +896,6 @@
               <a:buFont typeface="Arial" charset="0"/>
               <a:buChar char="•"/>
             </a:pPr>
-            <a:r>
-              <a:rPr lang="en-US" sz="1200" kern="1200" dirty="0" smtClean="0">
-                <a:solidFill>
-                  <a:schemeClr val="tx1"/>
-                </a:solidFill>
-                <a:effectLst/>
-                <a:latin typeface="+mn-lt"/>
-                <a:ea typeface="+mn-ea"/>
-                <a:cs typeface="+mn-cs"/>
-              </a:rPr>
-              <a:t>The Viewport stores its pixel location, not its tile location. This allows us to take steps smaller than one tile in size, which is necessary for smooth scrolling</a:t>
-            </a:r>
-          </a:p>
-          <a:p>
-            <a:pPr marL="171450" indent="-171450">
-              <a:buFont typeface="Arial" charset="0"/>
-              <a:buChar char="•"/>
-            </a:pPr>
-            <a:endParaRPr lang="en-US" sz="1200" kern="1200" dirty="0" smtClean="0">
-              <a:solidFill>
-                <a:schemeClr val="tx1"/>
-              </a:solidFill>
-              <a:effectLst/>
-              <a:latin typeface="+mn-lt"/>
-              <a:ea typeface="+mn-ea"/>
-              <a:cs typeface="+mn-cs"/>
-            </a:endParaRPr>
-          </a:p>
-          <a:p>
-            <a:pPr marL="171450" indent="-171450">
-              <a:buFont typeface="Arial" charset="0"/>
-              <a:buChar char="•"/>
-            </a:pPr>
-            <a:r>
-              <a:rPr lang="en-US" sz="1200" kern="1200" dirty="0" smtClean="0">
-                <a:solidFill>
-                  <a:schemeClr val="tx1"/>
-                </a:solidFill>
-                <a:effectLst/>
-                <a:latin typeface="+mn-lt"/>
-                <a:ea typeface="+mn-ea"/>
-                <a:cs typeface="+mn-cs"/>
-              </a:rPr>
-              <a:t>Imagine what it would look like if the game had to move 32 or 64 pixels at a time – very jumpy</a:t>
-            </a:r>
-          </a:p>
-          <a:p>
-            <a:pPr marL="171450" indent="-171450">
-              <a:buFont typeface="Arial" charset="0"/>
-              <a:buChar char="•"/>
-            </a:pPr>
-            <a:endParaRPr lang="en-US" sz="1200" kern="1200" dirty="0" smtClean="0">
-              <a:solidFill>
-                <a:schemeClr val="tx1"/>
-              </a:solidFill>
-              <a:effectLst/>
-              <a:latin typeface="+mn-lt"/>
-              <a:ea typeface="+mn-ea"/>
-              <a:cs typeface="+mn-cs"/>
-            </a:endParaRPr>
-          </a:p>
-          <a:p>
-            <a:pPr marL="171450" indent="-171450">
-              <a:buFont typeface="Arial" charset="0"/>
-              <a:buChar char="•"/>
-            </a:pPr>
-            <a:r>
-              <a:rPr lang="en-US" sz="1200" kern="1200" dirty="0" smtClean="0">
-                <a:solidFill>
-                  <a:schemeClr val="tx1"/>
-                </a:solidFill>
-                <a:effectLst/>
-                <a:latin typeface="+mn-lt"/>
-                <a:ea typeface="+mn-ea"/>
-                <a:cs typeface="+mn-cs"/>
-              </a:rPr>
-              <a:t>This requires </a:t>
-            </a:r>
-            <a:r>
-              <a:rPr lang="en-US" sz="1200" kern="1200" dirty="0" err="1" smtClean="0">
-                <a:solidFill>
-                  <a:schemeClr val="tx1"/>
-                </a:solidFill>
-                <a:effectLst/>
-                <a:latin typeface="+mn-lt"/>
-                <a:ea typeface="+mn-ea"/>
-                <a:cs typeface="+mn-cs"/>
-              </a:rPr>
-              <a:t>maths</a:t>
-            </a:r>
             <a:endParaRPr lang="en-US" sz="1200" kern="1200" dirty="0" smtClean="0">
               <a:solidFill>
                 <a:schemeClr val="tx1"/>
@@ -1827,29 +1344,6 @@
               <a:buFont typeface="Arial" charset="0"/>
               <a:buChar char="•"/>
             </a:pPr>
-            <a:r>
-              <a:rPr lang="en-US" sz="1200" kern="1200" dirty="0" smtClean="0">
-                <a:solidFill>
-                  <a:schemeClr val="tx1"/>
-                </a:solidFill>
-                <a:effectLst/>
-                <a:latin typeface="+mn-lt"/>
-                <a:ea typeface="+mn-ea"/>
-                <a:cs typeface="+mn-cs"/>
-              </a:rPr>
-              <a:t>As discussed on the preceding slide...</a:t>
-            </a:r>
-            <a:br>
-              <a:rPr lang="en-US" sz="1200" kern="1200" dirty="0" smtClean="0">
-                <a:solidFill>
-                  <a:schemeClr val="tx1"/>
-                </a:solidFill>
-                <a:effectLst/>
-                <a:latin typeface="+mn-lt"/>
-                <a:ea typeface="+mn-ea"/>
-                <a:cs typeface="+mn-cs"/>
-              </a:rPr>
-            </a:br>
             <a:endParaRPr lang="en-US" sz="1200" kern="1200" dirty="0" smtClean="0">
               <a:solidFill>
                 <a:schemeClr val="tx1"/>
@@ -1859,388 +1353,6 @@
               <a:ea typeface="+mn-ea"/>
               <a:cs typeface="+mn-cs"/>
             </a:endParaRPr>
-          </a:p>
-          <a:p>
-            <a:pPr marL="171450" indent="-171450">
-              <a:buFont typeface="Arial" charset="0"/>
-              <a:buChar char="•"/>
-            </a:pPr>
-            <a:r>
-              <a:rPr lang="en-US" sz="1200" kern="1200" dirty="0" smtClean="0">
-                <a:solidFill>
-                  <a:schemeClr val="tx1"/>
-                </a:solidFill>
-                <a:effectLst/>
-                <a:latin typeface="+mn-lt"/>
-                <a:ea typeface="+mn-ea"/>
-                <a:cs typeface="+mn-cs"/>
-              </a:rPr>
-              <a:t>See any problem here? What if you’re not on a tile boundary? (Attempt to draw...)</a:t>
-            </a:r>
-          </a:p>
-          <a:p>
-            <a:pPr marL="171450" indent="-171450">
-              <a:buFont typeface="Arial" charset="0"/>
-              <a:buChar char="•"/>
-            </a:pPr>
-            <a:endParaRPr lang="en-US" sz="1200" kern="1200" dirty="0" smtClean="0">
-              <a:solidFill>
-                <a:schemeClr val="tx1"/>
-              </a:solidFill>
-              <a:effectLst/>
-              <a:latin typeface="+mn-lt"/>
-              <a:ea typeface="+mn-ea"/>
-              <a:cs typeface="+mn-cs"/>
-            </a:endParaRPr>
-          </a:p>
-          <a:p>
-            <a:pPr marL="171450" indent="-171450">
-              <a:buFont typeface="Arial" charset="0"/>
-              <a:buChar char="•"/>
-            </a:pPr>
-            <a:r>
-              <a:rPr lang="en-US" sz="1200" kern="1200" dirty="0" smtClean="0">
-                <a:solidFill>
-                  <a:schemeClr val="tx1"/>
-                </a:solidFill>
-                <a:effectLst/>
-                <a:latin typeface="+mn-lt"/>
-                <a:ea typeface="+mn-ea"/>
-                <a:cs typeface="+mn-cs"/>
-              </a:rPr>
-              <a:t>For example, your tiles might be 32 pixels, but your player character has a velocity of 5</a:t>
-            </a:r>
-          </a:p>
-          <a:p>
-            <a:pPr marL="171450" indent="-171450">
-              <a:buFont typeface="Arial" charset="0"/>
-              <a:buChar char="•"/>
-            </a:pPr>
-            <a:endParaRPr lang="en-US" sz="1200" kern="1200" dirty="0" smtClean="0">
-              <a:solidFill>
-                <a:schemeClr val="tx1"/>
-              </a:solidFill>
-              <a:effectLst/>
-              <a:latin typeface="+mn-lt"/>
-              <a:ea typeface="+mn-ea"/>
-              <a:cs typeface="+mn-cs"/>
-            </a:endParaRPr>
-          </a:p>
-          <a:p>
-            <a:pPr marL="171450" indent="-171450">
-              <a:buFont typeface="Arial" charset="0"/>
-              <a:buChar char="•"/>
-            </a:pPr>
-            <a:r>
-              <a:rPr lang="en-US" sz="1200" kern="1200" dirty="0" smtClean="0">
-                <a:solidFill>
-                  <a:schemeClr val="tx1"/>
-                </a:solidFill>
-                <a:effectLst/>
-                <a:latin typeface="+mn-lt"/>
-                <a:ea typeface="+mn-ea"/>
-                <a:cs typeface="+mn-cs"/>
-              </a:rPr>
-              <a:t>So you will need to be able to draw </a:t>
-            </a:r>
-            <a:r>
-              <a:rPr lang="en-US" sz="1200" b="1" kern="1200" dirty="0" smtClean="0">
-                <a:solidFill>
-                  <a:schemeClr val="tx1"/>
-                </a:solidFill>
-                <a:effectLst/>
-                <a:latin typeface="+mn-lt"/>
-                <a:ea typeface="+mn-ea"/>
-                <a:cs typeface="+mn-cs"/>
-              </a:rPr>
-              <a:t>partial tiles</a:t>
-            </a:r>
-          </a:p>
-          <a:p>
-            <a:pPr marL="171450" indent="-171450">
-              <a:buFont typeface="Arial" charset="0"/>
-              <a:buChar char="•"/>
-            </a:pPr>
-            <a:endParaRPr lang="en-US" sz="1200" kern="1200" dirty="0" smtClean="0">
-              <a:solidFill>
-                <a:schemeClr val="tx1"/>
-              </a:solidFill>
-              <a:effectLst/>
-              <a:latin typeface="+mn-lt"/>
-              <a:ea typeface="+mn-ea"/>
-              <a:cs typeface="+mn-cs"/>
-            </a:endParaRPr>
-          </a:p>
-          <a:p>
-            <a:pPr marL="171450" indent="-171450">
-              <a:buFont typeface="Arial" charset="0"/>
-              <a:buChar char="•"/>
-            </a:pPr>
-            <a:r>
-              <a:rPr lang="en-US" sz="1200" kern="1200" dirty="0" smtClean="0">
-                <a:solidFill>
-                  <a:schemeClr val="tx1"/>
-                </a:solidFill>
-                <a:effectLst/>
-                <a:latin typeface="+mn-lt"/>
-                <a:ea typeface="+mn-ea"/>
-                <a:cs typeface="+mn-cs"/>
-              </a:rPr>
-              <a:t>How many pixels are you from the edge? Location % </a:t>
-            </a:r>
-            <a:r>
-              <a:rPr lang="en-US" sz="1200" kern="1200" dirty="0" err="1" smtClean="0">
-                <a:solidFill>
-                  <a:schemeClr val="tx1"/>
-                </a:solidFill>
-                <a:effectLst/>
-                <a:latin typeface="+mn-lt"/>
-                <a:ea typeface="+mn-ea"/>
-                <a:cs typeface="+mn-cs"/>
-              </a:rPr>
-              <a:t>tileside</a:t>
-            </a:r>
-            <a:endParaRPr lang="en-US" sz="1200" kern="1200" dirty="0" smtClean="0">
-              <a:solidFill>
-                <a:schemeClr val="tx1"/>
-              </a:solidFill>
-              <a:effectLst/>
-              <a:latin typeface="+mn-lt"/>
-              <a:ea typeface="+mn-ea"/>
-              <a:cs typeface="+mn-cs"/>
-            </a:endParaRPr>
-          </a:p>
-          <a:p>
-            <a:pPr marL="171450" indent="-171450">
-              <a:buFont typeface="Arial" charset="0"/>
-              <a:buChar char="•"/>
-            </a:pPr>
-            <a:endParaRPr lang="en-US" sz="1200" kern="1200" dirty="0" smtClean="0">
-              <a:solidFill>
-                <a:schemeClr val="tx1"/>
-              </a:solidFill>
-              <a:effectLst/>
-              <a:latin typeface="+mn-lt"/>
-              <a:ea typeface="+mn-ea"/>
-              <a:cs typeface="+mn-cs"/>
-            </a:endParaRPr>
-          </a:p>
-          <a:p>
-            <a:pPr marL="171450" indent="-171450">
-              <a:buFont typeface="Arial" charset="0"/>
-              <a:buChar char="•"/>
-            </a:pPr>
-            <a:r>
-              <a:rPr lang="en-US" sz="1200" kern="1200" dirty="0" smtClean="0">
-                <a:solidFill>
-                  <a:schemeClr val="tx1"/>
-                </a:solidFill>
-                <a:effectLst/>
-                <a:latin typeface="+mn-lt"/>
-                <a:ea typeface="+mn-ea"/>
-                <a:cs typeface="+mn-cs"/>
-              </a:rPr>
-              <a:t>Shift to the left. You will start in the middle of a tile on the left hand edge of the screen, then draw a viewport’s worth of pixels. </a:t>
-            </a:r>
-          </a:p>
-          <a:p>
-            <a:pPr marL="171450" indent="-171450">
-              <a:buFont typeface="Arial" charset="0"/>
-              <a:buChar char="•"/>
-            </a:pPr>
-            <a:endParaRPr lang="en-US" sz="1200" kern="1200" dirty="0" smtClean="0">
-              <a:solidFill>
-                <a:schemeClr val="tx1"/>
-              </a:solidFill>
-              <a:effectLst/>
-              <a:latin typeface="+mn-lt"/>
-              <a:ea typeface="+mn-ea"/>
-              <a:cs typeface="+mn-cs"/>
-            </a:endParaRPr>
-          </a:p>
-          <a:p>
-            <a:pPr marL="171450" indent="-171450">
-              <a:buFont typeface="Arial" charset="0"/>
-              <a:buChar char="•"/>
-            </a:pPr>
-            <a:r>
-              <a:rPr lang="en-US" sz="1200" kern="1200" dirty="0" smtClean="0">
-                <a:solidFill>
-                  <a:schemeClr val="tx1"/>
-                </a:solidFill>
-                <a:effectLst/>
-                <a:latin typeface="+mn-lt"/>
-                <a:ea typeface="+mn-ea"/>
-                <a:cs typeface="+mn-cs"/>
-              </a:rPr>
-              <a:t>If the viewport needs to move 1 more pixel to the right, everything just shifts one pixel over</a:t>
-            </a:r>
-          </a:p>
-          <a:p>
-            <a:pPr marL="171450" indent="-171450">
-              <a:buFont typeface="Arial" charset="0"/>
-              <a:buChar char="•"/>
-            </a:pPr>
-            <a:endParaRPr lang="en-US" sz="1200" kern="1200" dirty="0" smtClean="0">
-              <a:solidFill>
-                <a:schemeClr val="tx1"/>
-              </a:solidFill>
-              <a:effectLst/>
-              <a:latin typeface="+mn-lt"/>
-              <a:ea typeface="+mn-ea"/>
-              <a:cs typeface="+mn-cs"/>
-            </a:endParaRPr>
-          </a:p>
-          <a:p>
-            <a:pPr marL="171450" indent="-171450">
-              <a:buFont typeface="Arial" charset="0"/>
-              <a:buChar char="•"/>
-            </a:pPr>
-            <a:r>
-              <a:rPr lang="en-US" sz="1200" kern="1200" dirty="0" smtClean="0">
-                <a:solidFill>
-                  <a:schemeClr val="tx1"/>
-                </a:solidFill>
-                <a:effectLst/>
-                <a:latin typeface="+mn-lt"/>
-                <a:ea typeface="+mn-ea"/>
-                <a:cs typeface="+mn-cs"/>
-              </a:rPr>
-              <a:t>Give your original DrawImage that negative pixel position. It’s quite happy to start drawing off the screen</a:t>
-            </a:r>
-          </a:p>
-          <a:p>
-            <a:pPr marL="171450" indent="-171450">
-              <a:buFont typeface="Arial" charset="0"/>
-              <a:buChar char="•"/>
-            </a:pPr>
-            <a:endParaRPr lang="en-US" sz="1200" kern="1200" dirty="0" smtClean="0">
-              <a:solidFill>
-                <a:schemeClr val="tx1"/>
-              </a:solidFill>
-              <a:effectLst/>
-              <a:latin typeface="+mn-lt"/>
-              <a:ea typeface="+mn-ea"/>
-              <a:cs typeface="+mn-cs"/>
-            </a:endParaRPr>
-          </a:p>
-          <a:p>
-            <a:pPr marL="171450" indent="-171450">
-              <a:buFont typeface="Arial" charset="0"/>
-              <a:buChar char="•"/>
-            </a:pPr>
-            <a:r>
-              <a:rPr lang="en-US" sz="1200" kern="1200" dirty="0" smtClean="0">
-                <a:solidFill>
-                  <a:schemeClr val="tx1"/>
-                </a:solidFill>
-                <a:effectLst/>
-                <a:latin typeface="+mn-lt"/>
-                <a:ea typeface="+mn-ea"/>
-                <a:cs typeface="+mn-cs"/>
-              </a:rPr>
-              <a:t>The visible pixels will start to appear at exactly the Viewport’s location in the world</a:t>
-            </a:r>
-          </a:p>
-          <a:p>
-            <a:endParaRPr lang="en-US" sz="1200" kern="1200" dirty="0" smtClean="0">
-              <a:solidFill>
-                <a:schemeClr val="tx1"/>
-              </a:solidFill>
-              <a:effectLst/>
-              <a:latin typeface="+mn-lt"/>
-              <a:ea typeface="+mn-ea"/>
-              <a:cs typeface="+mn-cs"/>
-            </a:endParaRPr>
-          </a:p>
-          <a:p>
-            <a:pPr marL="171450" indent="-171450">
-              <a:buFont typeface="Arial" charset="0"/>
-              <a:buChar char="•"/>
-            </a:pPr>
-            <a:r>
-              <a:rPr lang="en-US" sz="1200" kern="1200" dirty="0" smtClean="0">
-                <a:solidFill>
-                  <a:schemeClr val="tx1"/>
-                </a:solidFill>
-                <a:effectLst/>
-                <a:latin typeface="+mn-lt"/>
-                <a:ea typeface="+mn-ea"/>
-                <a:cs typeface="+mn-cs"/>
-              </a:rPr>
-              <a:t>And what about that “viewport’s worth of pixels”? If your Viewport is 100 pixels wide, your screen is 100 pixels wide. If you start at -10 and draw 100 pixels, you will only file 90 pixels of the screen</a:t>
-            </a:r>
-          </a:p>
-          <a:p>
-            <a:pPr marL="171450" indent="-171450">
-              <a:buFont typeface="Arial" charset="0"/>
-              <a:buChar char="•"/>
-            </a:pPr>
-            <a:endParaRPr lang="en-US" sz="1200" kern="1200" dirty="0" smtClean="0">
-              <a:solidFill>
-                <a:schemeClr val="tx1"/>
-              </a:solidFill>
-              <a:effectLst/>
-              <a:latin typeface="+mn-lt"/>
-              <a:ea typeface="+mn-ea"/>
-              <a:cs typeface="+mn-cs"/>
-            </a:endParaRPr>
-          </a:p>
-          <a:p>
-            <a:pPr marL="171450" indent="-171450">
-              <a:buFont typeface="Arial" charset="0"/>
-              <a:buChar char="•"/>
-            </a:pPr>
-            <a:r>
-              <a:rPr lang="en-US" sz="1200" kern="1200" dirty="0" smtClean="0">
-                <a:solidFill>
-                  <a:schemeClr val="tx1"/>
-                </a:solidFill>
-                <a:effectLst/>
-                <a:latin typeface="+mn-lt"/>
-                <a:ea typeface="+mn-ea"/>
-                <a:cs typeface="+mn-cs"/>
-              </a:rPr>
-              <a:t>What to do? =&gt; Go back and look at the double for. It runs one extra column and row</a:t>
-            </a:r>
-            <a:br>
-              <a:rPr lang="en-US" sz="1200" kern="1200" dirty="0" smtClean="0">
-                <a:solidFill>
-                  <a:schemeClr val="tx1"/>
-                </a:solidFill>
-                <a:effectLst/>
-                <a:latin typeface="+mn-lt"/>
-                <a:ea typeface="+mn-ea"/>
-                <a:cs typeface="+mn-cs"/>
-              </a:rPr>
-            </a:br>
-            <a:endParaRPr lang="en-US" sz="1200" kern="1200" dirty="0" smtClean="0">
-              <a:solidFill>
-                <a:schemeClr val="tx1"/>
-              </a:solidFill>
-              <a:effectLst/>
-              <a:latin typeface="+mn-lt"/>
-              <a:ea typeface="+mn-ea"/>
-              <a:cs typeface="+mn-cs"/>
-            </a:endParaRPr>
-          </a:p>
-          <a:p>
-            <a:pPr marL="171450" indent="-171450">
-              <a:buFont typeface="Arial" charset="0"/>
-              <a:buChar char="•"/>
-            </a:pPr>
-            <a:r>
-              <a:rPr lang="en-US" sz="1200" kern="1200" dirty="0" smtClean="0">
-                <a:solidFill>
-                  <a:schemeClr val="tx1"/>
-                </a:solidFill>
-                <a:effectLst/>
-                <a:latin typeface="+mn-lt"/>
-                <a:ea typeface="+mn-ea"/>
-                <a:cs typeface="+mn-cs"/>
-              </a:rPr>
-              <a:t>See handout for more discussion of the Viewport draw logic</a:t>
-            </a:r>
           </a:p>
         </p:txBody>
       </p:sp>
@@ -2592,24 +1704,6 @@
               <a:buFont typeface="Arial" charset="0"/>
               <a:buChar char="•"/>
             </a:pPr>
-            <a:r>
-              <a:rPr lang="en-US" sz="1200" kern="1200" dirty="0" smtClean="0">
-                <a:solidFill>
-                  <a:schemeClr val="tx1"/>
-                </a:solidFill>
-                <a:effectLst/>
-                <a:latin typeface="+mn-lt"/>
-                <a:ea typeface="+mn-ea"/>
-                <a:cs typeface="+mn-cs"/>
-              </a:rPr>
-              <a:t>Using Super Mario Bros (Original NES version) as an example</a:t>
-            </a:r>
-          </a:p>
-          <a:p>
-            <a:pPr marL="171450" indent="-171450">
-              <a:buFont typeface="Arial" charset="0"/>
-              <a:buChar char="•"/>
-            </a:pPr>
             <a:endParaRPr lang="en-US" sz="1200" kern="1200" dirty="0" smtClean="0">
               <a:solidFill>
                 <a:schemeClr val="tx1"/>
@@ -2619,95 +1713,6 @@
               <a:ea typeface="+mn-ea"/>
               <a:cs typeface="+mn-cs"/>
             </a:endParaRPr>
-          </a:p>
-          <a:p>
-            <a:pPr marL="171450" indent="-171450">
-              <a:buFont typeface="Arial" charset="0"/>
-              <a:buChar char="•"/>
-            </a:pPr>
-            <a:r>
-              <a:rPr lang="en-US" sz="1200" kern="1200" dirty="0" smtClean="0">
-                <a:solidFill>
-                  <a:schemeClr val="tx1"/>
-                </a:solidFill>
-                <a:effectLst/>
-                <a:latin typeface="+mn-lt"/>
-                <a:ea typeface="+mn-ea"/>
-                <a:cs typeface="+mn-cs"/>
-              </a:rPr>
-              <a:t>SMB uses 16x16 pixel tiles, but everything here applies to any tile size</a:t>
-            </a:r>
-          </a:p>
-          <a:p>
-            <a:pPr marL="171450" indent="-171450">
-              <a:buFont typeface="Arial" charset="0"/>
-              <a:buChar char="•"/>
-            </a:pPr>
-            <a:endParaRPr lang="en-US" sz="1200" kern="1200" dirty="0" smtClean="0">
-              <a:solidFill>
-                <a:schemeClr val="tx1"/>
-              </a:solidFill>
-              <a:effectLst/>
-              <a:latin typeface="+mn-lt"/>
-              <a:ea typeface="+mn-ea"/>
-              <a:cs typeface="+mn-cs"/>
-            </a:endParaRPr>
-          </a:p>
-          <a:p>
-            <a:pPr marL="171450" indent="-171450">
-              <a:buFont typeface="Arial" charset="0"/>
-              <a:buChar char="•"/>
-            </a:pPr>
-            <a:r>
-              <a:rPr lang="en-US" sz="1200" kern="1200" dirty="0" smtClean="0">
-                <a:solidFill>
-                  <a:schemeClr val="tx1"/>
-                </a:solidFill>
-                <a:effectLst/>
-                <a:latin typeface="+mn-lt"/>
-                <a:ea typeface="+mn-ea"/>
-                <a:cs typeface="+mn-cs"/>
-              </a:rPr>
-              <a:t>SMB uses a world that is very wide, but only one screen high. Again, everything here applies to games with large worlds in both dimensions. You just need to extend to the y-axis</a:t>
-            </a:r>
-            <a:br>
-              <a:rPr lang="en-US" sz="1200" kern="1200" dirty="0" smtClean="0">
-                <a:solidFill>
-                  <a:schemeClr val="tx1"/>
-                </a:solidFill>
-                <a:effectLst/>
-                <a:latin typeface="+mn-lt"/>
-                <a:ea typeface="+mn-ea"/>
-                <a:cs typeface="+mn-cs"/>
-              </a:rPr>
-            </a:br>
-            <a:endParaRPr lang="en-US" sz="1200" kern="1200" dirty="0" smtClean="0">
-              <a:solidFill>
-                <a:schemeClr val="tx1"/>
-              </a:solidFill>
-              <a:effectLst/>
-              <a:latin typeface="+mn-lt"/>
-              <a:ea typeface="+mn-ea"/>
-              <a:cs typeface="+mn-cs"/>
-            </a:endParaRPr>
-          </a:p>
-          <a:p>
-            <a:pPr marL="171450" indent="-171450">
-              <a:buFont typeface="Arial" charset="0"/>
-              <a:buChar char="•"/>
-            </a:pPr>
-            <a:r>
-              <a:rPr lang="en-US" sz="1200" kern="1200" dirty="0" smtClean="0">
-                <a:solidFill>
-                  <a:schemeClr val="tx1"/>
-                </a:solidFill>
-                <a:effectLst/>
-                <a:latin typeface="+mn-lt"/>
-                <a:ea typeface="+mn-ea"/>
-                <a:cs typeface="+mn-cs"/>
-              </a:rPr>
-              <a:t>This image shows the whole world for one level. It is 211 tiles wide</a:t>
-            </a:r>
           </a:p>
         </p:txBody>
       </p:sp>
@@ -2795,222 +1800,6 @@
               <a:buFont typeface="Arial" charset="0"/>
               <a:buChar char="•"/>
             </a:pPr>
-            <a:r>
-              <a:rPr lang="en-US" sz="1200" kern="1200" dirty="0" smtClean="0">
-                <a:solidFill>
-                  <a:schemeClr val="tx1"/>
-                </a:solidFill>
-                <a:effectLst/>
-                <a:latin typeface="+mn-lt"/>
-                <a:ea typeface="+mn-ea"/>
-                <a:cs typeface="+mn-cs"/>
-              </a:rPr>
-              <a:t>The player only sees a screen at a time, 18 tiles wide (of the total 211) by 14 tiles high</a:t>
-            </a:r>
-          </a:p>
-          <a:p>
-            <a:pPr marL="171450" indent="-171450">
-              <a:buFont typeface="Arial" charset="0"/>
-              <a:buChar char="•"/>
-            </a:pPr>
-            <a:endParaRPr lang="en-US" sz="1200" kern="1200" dirty="0" smtClean="0">
-              <a:solidFill>
-                <a:schemeClr val="tx1"/>
-              </a:solidFill>
-              <a:effectLst/>
-              <a:latin typeface="+mn-lt"/>
-              <a:ea typeface="+mn-ea"/>
-              <a:cs typeface="+mn-cs"/>
-            </a:endParaRPr>
-          </a:p>
-          <a:p>
-            <a:pPr marL="171450" indent="-171450">
-              <a:buFont typeface="Arial" charset="0"/>
-              <a:buChar char="•"/>
-            </a:pPr>
-            <a:r>
-              <a:rPr lang="en-US" sz="1200" kern="1200" dirty="0" smtClean="0">
-                <a:solidFill>
-                  <a:schemeClr val="tx1"/>
-                </a:solidFill>
-                <a:effectLst/>
-                <a:latin typeface="+mn-lt"/>
-                <a:ea typeface="+mn-ea"/>
-                <a:cs typeface="+mn-cs"/>
-              </a:rPr>
-              <a:t>This is the “viewport”</a:t>
-            </a:r>
-          </a:p>
-          <a:p>
-            <a:pPr marL="171450" indent="-171450">
-              <a:buFont typeface="Arial" charset="0"/>
-              <a:buChar char="•"/>
-            </a:pPr>
-            <a:endParaRPr lang="en-US" sz="1200" kern="1200" dirty="0" smtClean="0">
-              <a:solidFill>
-                <a:schemeClr val="tx1"/>
-              </a:solidFill>
-              <a:effectLst/>
-              <a:latin typeface="+mn-lt"/>
-              <a:ea typeface="+mn-ea"/>
-              <a:cs typeface="+mn-cs"/>
-            </a:endParaRPr>
-          </a:p>
-          <a:p>
-            <a:pPr marL="171450" indent="-171450">
-              <a:buFont typeface="Arial" charset="0"/>
-              <a:buChar char="•"/>
-            </a:pPr>
-            <a:r>
-              <a:rPr lang="en-US" sz="1200" kern="1200" dirty="0" smtClean="0">
-                <a:solidFill>
-                  <a:schemeClr val="tx1"/>
-                </a:solidFill>
-                <a:effectLst/>
-                <a:latin typeface="+mn-lt"/>
-                <a:ea typeface="+mn-ea"/>
-                <a:cs typeface="+mn-cs"/>
-              </a:rPr>
-              <a:t>As the player character is moved, the tiles drawn to the screen change to show what part of the world the player character is standing in</a:t>
-            </a:r>
-          </a:p>
-          <a:p>
-            <a:pPr marL="171450" indent="-171450">
-              <a:buFont typeface="Arial" charset="0"/>
-              <a:buChar char="•"/>
-            </a:pPr>
-            <a:endParaRPr lang="en-US" sz="1200" kern="1200" dirty="0" smtClean="0">
-              <a:solidFill>
-                <a:schemeClr val="tx1"/>
-              </a:solidFill>
-              <a:effectLst/>
-              <a:latin typeface="+mn-lt"/>
-              <a:ea typeface="+mn-ea"/>
-              <a:cs typeface="+mn-cs"/>
-            </a:endParaRPr>
-          </a:p>
-          <a:p>
-            <a:pPr marL="171450" indent="-171450">
-              <a:buFont typeface="Arial" charset="0"/>
-              <a:buChar char="•"/>
-            </a:pPr>
-            <a:r>
-              <a:rPr lang="en-US" sz="1200" kern="1200" dirty="0" smtClean="0">
-                <a:solidFill>
-                  <a:schemeClr val="tx1"/>
-                </a:solidFill>
-                <a:effectLst/>
-                <a:latin typeface="+mn-lt"/>
-                <a:ea typeface="+mn-ea"/>
-                <a:cs typeface="+mn-cs"/>
-              </a:rPr>
-              <a:t>We can think about this is achieved: In our simple tile map, we translated the integer values in the 2D map array into pixels on the screen</a:t>
-            </a:r>
-          </a:p>
-          <a:p>
-            <a:pPr marL="171450" indent="-171450">
-              <a:buFont typeface="Arial" charset="0"/>
-              <a:buChar char="•"/>
-            </a:pPr>
-            <a:endParaRPr lang="en-US" sz="1200" kern="1200" dirty="0" smtClean="0">
-              <a:solidFill>
-                <a:schemeClr val="tx1"/>
-              </a:solidFill>
-              <a:effectLst/>
-              <a:latin typeface="+mn-lt"/>
-              <a:ea typeface="+mn-ea"/>
-              <a:cs typeface="+mn-cs"/>
-            </a:endParaRPr>
-          </a:p>
-          <a:p>
-            <a:pPr marL="171450" indent="-171450">
-              <a:buFont typeface="Arial" charset="0"/>
-              <a:buChar char="•"/>
-            </a:pPr>
-            <a:r>
-              <a:rPr lang="en-US" sz="1200" kern="1200" dirty="0" smtClean="0">
-                <a:solidFill>
-                  <a:schemeClr val="tx1"/>
-                </a:solidFill>
-                <a:effectLst/>
-                <a:latin typeface="+mn-lt"/>
-                <a:ea typeface="+mn-ea"/>
-                <a:cs typeface="+mn-cs"/>
-              </a:rPr>
-              <a:t>In a scrolling map, we do exactly the same thing, except that, at each animation cycle, we are displaying only a portion of that integer array</a:t>
-            </a:r>
-          </a:p>
-          <a:p>
-            <a:pPr marL="171450" indent="-171450">
-              <a:buFont typeface="Arial" charset="0"/>
-              <a:buChar char="•"/>
-            </a:pPr>
-            <a:endParaRPr lang="en-US" sz="1200" kern="1200" dirty="0" smtClean="0">
-              <a:solidFill>
-                <a:schemeClr val="tx1"/>
-              </a:solidFill>
-              <a:effectLst/>
-              <a:latin typeface="+mn-lt"/>
-              <a:ea typeface="+mn-ea"/>
-              <a:cs typeface="+mn-cs"/>
-            </a:endParaRPr>
-          </a:p>
-          <a:p>
-            <a:pPr marL="171450" indent="-171450">
-              <a:buFont typeface="Arial" charset="0"/>
-              <a:buChar char="•"/>
-            </a:pPr>
-            <a:r>
-              <a:rPr lang="en-US" sz="1200" kern="1200" dirty="0" smtClean="0">
-                <a:solidFill>
-                  <a:schemeClr val="tx1"/>
-                </a:solidFill>
-                <a:effectLst/>
-                <a:latin typeface="+mn-lt"/>
-                <a:ea typeface="+mn-ea"/>
-                <a:cs typeface="+mn-cs"/>
-              </a:rPr>
-              <a:t>All we have to do is figure out which portion we need to display</a:t>
-            </a:r>
-          </a:p>
-          <a:p>
-            <a:pPr marL="171450" indent="-171450">
-              <a:buFont typeface="Arial" charset="0"/>
-              <a:buChar char="•"/>
-            </a:pPr>
-            <a:endParaRPr lang="en-US" sz="1200" kern="1200" dirty="0" smtClean="0">
-              <a:solidFill>
-                <a:schemeClr val="tx1"/>
-              </a:solidFill>
-              <a:effectLst/>
-              <a:latin typeface="+mn-lt"/>
-              <a:ea typeface="+mn-ea"/>
-              <a:cs typeface="+mn-cs"/>
-            </a:endParaRPr>
-          </a:p>
-          <a:p>
-            <a:pPr marL="171450" indent="-171450">
-              <a:buFont typeface="Arial" charset="0"/>
-              <a:buChar char="•"/>
-            </a:pPr>
-            <a:r>
-              <a:rPr lang="en-US" sz="1200" kern="1200" dirty="0" smtClean="0">
-                <a:solidFill>
-                  <a:schemeClr val="tx1"/>
-                </a:solidFill>
-                <a:effectLst/>
-                <a:latin typeface="+mn-lt"/>
-                <a:ea typeface="+mn-ea"/>
-                <a:cs typeface="+mn-cs"/>
-              </a:rPr>
-              <a:t>That job will be taken care of by a new class for our engine – the Viewport</a:t>
-            </a:r>
-          </a:p>
-          <a:p>
-            <a:pPr marL="171450" indent="-171450">
-              <a:buFont typeface="Arial" charset="0"/>
-              <a:buChar char="•"/>
-            </a:pPr>
             <a:endParaRPr lang="en-US" sz="1200" kern="1200" dirty="0">
               <a:solidFill>
                 <a:schemeClr val="tx1"/>
@@ -3107,269 +1896,6 @@
               <a:buFont typeface="Arial" charset="0"/>
               <a:buChar char="•"/>
             </a:pPr>
-            <a:r>
-              <a:rPr lang="en-US" sz="1200" kern="1200" dirty="0" smtClean="0">
-                <a:solidFill>
-                  <a:schemeClr val="tx1"/>
-                </a:solidFill>
-                <a:effectLst/>
-                <a:latin typeface="+mn-lt"/>
-                <a:ea typeface="+mn-ea"/>
-                <a:cs typeface="+mn-cs"/>
-              </a:rPr>
-              <a:t>We have to think of the game as having three separate coordinate systems</a:t>
-            </a:r>
-          </a:p>
-          <a:p>
-            <a:pPr marL="171450" indent="-171450">
-              <a:buFont typeface="Arial" charset="0"/>
-              <a:buChar char="•"/>
-            </a:pPr>
-            <a:endParaRPr lang="en-US" sz="1200" kern="1200" dirty="0" smtClean="0">
-              <a:solidFill>
-                <a:schemeClr val="tx1"/>
-              </a:solidFill>
-              <a:effectLst/>
-              <a:latin typeface="+mn-lt"/>
-              <a:ea typeface="+mn-ea"/>
-              <a:cs typeface="+mn-cs"/>
-            </a:endParaRPr>
-          </a:p>
-          <a:p>
-            <a:pPr marL="171450" indent="-171450">
-              <a:buFont typeface="Arial" charset="0"/>
-              <a:buChar char="•"/>
-            </a:pPr>
-            <a:r>
-              <a:rPr lang="en-US" sz="1200" kern="1200" dirty="0" smtClean="0">
-                <a:solidFill>
-                  <a:schemeClr val="tx1"/>
-                </a:solidFill>
-                <a:effectLst/>
-                <a:latin typeface="+mn-lt"/>
-                <a:ea typeface="+mn-ea"/>
-                <a:cs typeface="+mn-cs"/>
-              </a:rPr>
-              <a:t>First we separate into: </a:t>
-            </a:r>
-          </a:p>
-          <a:p>
-            <a:pPr marL="628650" lvl="1" indent="-171450">
-              <a:buFont typeface="Arial" charset="0"/>
-              <a:buChar char="•"/>
-            </a:pPr>
-            <a:r>
-              <a:rPr lang="en-US" sz="1200" kern="1200" dirty="0" smtClean="0">
-                <a:solidFill>
-                  <a:schemeClr val="tx1"/>
-                </a:solidFill>
-                <a:effectLst/>
-                <a:latin typeface="+mn-lt"/>
-                <a:ea typeface="+mn-ea"/>
-                <a:cs typeface="+mn-cs"/>
-              </a:rPr>
-              <a:t>The world coordinates = where things are in the big world map</a:t>
-            </a:r>
-          </a:p>
-          <a:p>
-            <a:pPr marL="628650" lvl="1" indent="-171450">
-              <a:buFont typeface="Arial" charset="0"/>
-              <a:buChar char="•"/>
-            </a:pPr>
-            <a:r>
-              <a:rPr lang="en-US" sz="1200" kern="1200" dirty="0" smtClean="0">
-                <a:solidFill>
-                  <a:schemeClr val="tx1"/>
-                </a:solidFill>
-                <a:effectLst/>
-                <a:latin typeface="+mn-lt"/>
-                <a:ea typeface="+mn-ea"/>
-                <a:cs typeface="+mn-cs"/>
-              </a:rPr>
-              <a:t>The viewport coordinates = where things are in the viewport (the part of the world map being shown) and therefore on the screen/canvas. (Note that you can use a panel to make a canvas != actual application window, but we will tend to refer to the visible playing area as “the screen” informally.)</a:t>
-            </a:r>
-            <a:br>
-              <a:rPr lang="en-US" sz="1200" kern="1200" dirty="0" smtClean="0">
-                <a:solidFill>
-                  <a:schemeClr val="tx1"/>
-                </a:solidFill>
-                <a:effectLst/>
-                <a:latin typeface="+mn-lt"/>
-                <a:ea typeface="+mn-ea"/>
-                <a:cs typeface="+mn-cs"/>
-              </a:rPr>
-            </a:br>
-            <a:endParaRPr lang="en-US" sz="1200" kern="1200" dirty="0" smtClean="0">
-              <a:solidFill>
-                <a:schemeClr val="tx1"/>
-              </a:solidFill>
-              <a:effectLst/>
-              <a:latin typeface="+mn-lt"/>
-              <a:ea typeface="+mn-ea"/>
-              <a:cs typeface="+mn-cs"/>
-            </a:endParaRPr>
-          </a:p>
-          <a:p>
-            <a:pPr marL="171450" indent="-171450">
-              <a:buFont typeface="Arial" charset="0"/>
-              <a:buChar char="•"/>
-            </a:pPr>
-            <a:r>
-              <a:rPr lang="en-US" sz="1200" kern="1200" dirty="0" smtClean="0">
-                <a:solidFill>
-                  <a:schemeClr val="tx1"/>
-                </a:solidFill>
-                <a:effectLst/>
-                <a:latin typeface="+mn-lt"/>
-                <a:ea typeface="+mn-ea"/>
-                <a:cs typeface="+mn-cs"/>
-              </a:rPr>
-              <a:t>Previously, the world and the visible area were always the same size, so we didn’t have to treat these separately – now we do.</a:t>
-            </a:r>
-            <a:br>
-              <a:rPr lang="en-US" sz="1200" kern="1200" dirty="0" smtClean="0">
-                <a:solidFill>
-                  <a:schemeClr val="tx1"/>
-                </a:solidFill>
-                <a:effectLst/>
-                <a:latin typeface="+mn-lt"/>
-                <a:ea typeface="+mn-ea"/>
-                <a:cs typeface="+mn-cs"/>
-              </a:rPr>
-            </a:br>
-            <a:endParaRPr lang="en-US" sz="1200" kern="1200" dirty="0" smtClean="0">
-              <a:solidFill>
-                <a:schemeClr val="tx1"/>
-              </a:solidFill>
-              <a:effectLst/>
-              <a:latin typeface="+mn-lt"/>
-              <a:ea typeface="+mn-ea"/>
-              <a:cs typeface="+mn-cs"/>
-            </a:endParaRPr>
-          </a:p>
-          <a:p>
-            <a:pPr marL="171450" indent="-171450">
-              <a:buFont typeface="Arial" charset="0"/>
-              <a:buChar char="•"/>
-            </a:pPr>
-            <a:r>
-              <a:rPr lang="en-US" sz="1200" kern="1200" dirty="0" smtClean="0">
-                <a:solidFill>
-                  <a:schemeClr val="tx1"/>
-                </a:solidFill>
-                <a:effectLst/>
-                <a:latin typeface="+mn-lt"/>
-                <a:ea typeface="+mn-ea"/>
-                <a:cs typeface="+mn-cs"/>
-              </a:rPr>
-              <a:t>To figure out what should appear in the Viewport area (i.e. What to draw to the screen) you must know where the upper left corner of the Viewport is in </a:t>
-            </a:r>
-            <a:r>
-              <a:rPr lang="en-US" sz="1200" b="1" kern="1200" dirty="0" smtClean="0">
-                <a:solidFill>
-                  <a:schemeClr val="tx1"/>
-                </a:solidFill>
-                <a:effectLst/>
-                <a:latin typeface="+mn-lt"/>
-                <a:ea typeface="+mn-ea"/>
-                <a:cs typeface="+mn-cs"/>
-              </a:rPr>
-              <a:t>World</a:t>
-            </a:r>
-            <a:r>
-              <a:rPr lang="en-US" sz="1200" kern="1200" dirty="0" smtClean="0">
-                <a:solidFill>
-                  <a:schemeClr val="tx1"/>
-                </a:solidFill>
-                <a:effectLst/>
-                <a:latin typeface="+mn-lt"/>
-                <a:ea typeface="+mn-ea"/>
-                <a:cs typeface="+mn-cs"/>
-              </a:rPr>
-              <a:t> coordinates.</a:t>
-            </a:r>
-            <a:br>
-              <a:rPr lang="en-US" sz="1200" kern="1200" dirty="0" smtClean="0">
-                <a:solidFill>
-                  <a:schemeClr val="tx1"/>
-                </a:solidFill>
-                <a:effectLst/>
-                <a:latin typeface="+mn-lt"/>
-                <a:ea typeface="+mn-ea"/>
-                <a:cs typeface="+mn-cs"/>
-              </a:rPr>
-            </a:br>
-            <a:endParaRPr lang="en-US" sz="1200" kern="1200" dirty="0" smtClean="0">
-              <a:solidFill>
-                <a:schemeClr val="tx1"/>
-              </a:solidFill>
-              <a:effectLst/>
-              <a:latin typeface="+mn-lt"/>
-              <a:ea typeface="+mn-ea"/>
-              <a:cs typeface="+mn-cs"/>
-            </a:endParaRPr>
-          </a:p>
-          <a:p>
-            <a:pPr marL="171450" indent="-171450">
-              <a:buFont typeface="Arial" charset="0"/>
-              <a:buChar char="•"/>
-            </a:pPr>
-            <a:r>
-              <a:rPr lang="en-US" sz="1200" kern="1200" dirty="0" smtClean="0">
-                <a:solidFill>
-                  <a:schemeClr val="tx1"/>
-                </a:solidFill>
-                <a:effectLst/>
-                <a:latin typeface="+mn-lt"/>
-                <a:ea typeface="+mn-ea"/>
-                <a:cs typeface="+mn-cs"/>
-              </a:rPr>
-              <a:t>You store this position in pixels, then translate that into map tiles for drawing.</a:t>
-            </a:r>
-            <a:br>
-              <a:rPr lang="en-US" sz="1200" kern="1200" dirty="0" smtClean="0">
-                <a:solidFill>
-                  <a:schemeClr val="tx1"/>
-                </a:solidFill>
-                <a:effectLst/>
-                <a:latin typeface="+mn-lt"/>
-                <a:ea typeface="+mn-ea"/>
-                <a:cs typeface="+mn-cs"/>
-              </a:rPr>
-            </a:br>
-            <a:endParaRPr lang="en-US" sz="1200" kern="1200" dirty="0" smtClean="0">
-              <a:solidFill>
-                <a:schemeClr val="tx1"/>
-              </a:solidFill>
-              <a:effectLst/>
-              <a:latin typeface="+mn-lt"/>
-              <a:ea typeface="+mn-ea"/>
-              <a:cs typeface="+mn-cs"/>
-            </a:endParaRPr>
-          </a:p>
-          <a:p>
-            <a:pPr marL="171450" indent="-171450">
-              <a:buFont typeface="Arial" charset="0"/>
-              <a:buChar char="•"/>
-            </a:pPr>
-            <a:r>
-              <a:rPr lang="en-US" sz="1200" kern="1200" dirty="0" smtClean="0">
-                <a:solidFill>
-                  <a:schemeClr val="tx1"/>
-                </a:solidFill>
-                <a:effectLst/>
-                <a:latin typeface="+mn-lt"/>
-                <a:ea typeface="+mn-ea"/>
-                <a:cs typeface="+mn-cs"/>
-              </a:rPr>
-              <a:t>As the Viewport moves, you need to re compute which part of the map should be visible....</a:t>
-            </a:r>
-          </a:p>
-          <a:p>
-            <a:pPr marL="171450" indent="-171450">
-              <a:buFont typeface="Arial" charset="0"/>
-              <a:buChar char="•"/>
-            </a:pPr>
             <a:endParaRPr lang="en-US" sz="1200" kern="1200" dirty="0">
               <a:solidFill>
                 <a:schemeClr val="tx1"/>
@@ -3466,330 +1992,6 @@
               <a:buFont typeface="Arial" charset="0"/>
               <a:buChar char="•"/>
             </a:pPr>
-            <a:r>
-              <a:rPr lang="en-US" sz="1200" kern="1200" dirty="0" smtClean="0">
-                <a:solidFill>
-                  <a:schemeClr val="tx1"/>
-                </a:solidFill>
-                <a:effectLst/>
-                <a:latin typeface="+mn-lt"/>
-                <a:ea typeface="+mn-ea"/>
-                <a:cs typeface="+mn-cs"/>
-              </a:rPr>
-              <a:t>Then we need to think about the 3</a:t>
-            </a:r>
-            <a:r>
-              <a:rPr lang="en-US" sz="1200" kern="1200" baseline="30000" dirty="0" smtClean="0">
-                <a:solidFill>
-                  <a:schemeClr val="tx1"/>
-                </a:solidFill>
-                <a:effectLst/>
-                <a:latin typeface="+mn-lt"/>
-                <a:ea typeface="+mn-ea"/>
-                <a:cs typeface="+mn-cs"/>
-              </a:rPr>
-              <a:t>rd</a:t>
-            </a:r>
-            <a:r>
-              <a:rPr lang="en-US" sz="1200" kern="1200" dirty="0" smtClean="0">
-                <a:solidFill>
-                  <a:schemeClr val="tx1"/>
-                </a:solidFill>
-                <a:effectLst/>
-                <a:latin typeface="+mn-lt"/>
-                <a:ea typeface="+mn-ea"/>
-                <a:cs typeface="+mn-cs"/>
-              </a:rPr>
-              <a:t> coordinate system – the canvas</a:t>
-            </a:r>
-          </a:p>
-          <a:p>
-            <a:pPr marL="171450" indent="-171450">
-              <a:buFont typeface="Arial" charset="0"/>
-              <a:buChar char="•"/>
-            </a:pPr>
-            <a:endParaRPr lang="en-US" sz="1200" kern="1200" dirty="0" smtClean="0">
-              <a:solidFill>
-                <a:schemeClr val="tx1"/>
-              </a:solidFill>
-              <a:effectLst/>
-              <a:latin typeface="+mn-lt"/>
-              <a:ea typeface="+mn-ea"/>
-              <a:cs typeface="+mn-cs"/>
-            </a:endParaRPr>
-          </a:p>
-          <a:p>
-            <a:pPr marL="171450" indent="-171450">
-              <a:buFont typeface="Arial" charset="0"/>
-              <a:buChar char="•"/>
-            </a:pPr>
-            <a:r>
-              <a:rPr lang="en-US" sz="1200" kern="1200" dirty="0" smtClean="0">
-                <a:solidFill>
-                  <a:schemeClr val="tx1"/>
-                </a:solidFill>
-                <a:effectLst/>
-                <a:latin typeface="+mn-lt"/>
-                <a:ea typeface="+mn-ea"/>
-                <a:cs typeface="+mn-cs"/>
-              </a:rPr>
-              <a:t>The tile in the upper left corner of the viewport must be drawn to the upper left corner of the screen</a:t>
-            </a:r>
-          </a:p>
-          <a:p>
-            <a:pPr marL="171450" indent="-171450">
-              <a:buFont typeface="Arial" charset="0"/>
-              <a:buChar char="•"/>
-            </a:pPr>
-            <a:endParaRPr lang="en-US" sz="1200" kern="1200" dirty="0" smtClean="0">
-              <a:solidFill>
-                <a:schemeClr val="tx1"/>
-              </a:solidFill>
-              <a:effectLst/>
-              <a:latin typeface="+mn-lt"/>
-              <a:ea typeface="+mn-ea"/>
-              <a:cs typeface="+mn-cs"/>
-            </a:endParaRPr>
-          </a:p>
-          <a:p>
-            <a:pPr marL="171450" indent="-171450">
-              <a:buFont typeface="Arial" charset="0"/>
-              <a:buChar char="•"/>
-            </a:pPr>
-            <a:r>
-              <a:rPr lang="en-US" sz="1200" kern="1200" dirty="0" smtClean="0">
-                <a:solidFill>
-                  <a:schemeClr val="tx1"/>
-                </a:solidFill>
-                <a:effectLst/>
-                <a:latin typeface="+mn-lt"/>
-                <a:ea typeface="+mn-ea"/>
-                <a:cs typeface="+mn-cs"/>
-              </a:rPr>
-              <a:t>So the Viewport and Screen coordinate spaces overlap</a:t>
-            </a:r>
-          </a:p>
-          <a:p>
-            <a:pPr marL="171450" indent="-171450">
-              <a:buFont typeface="Arial" charset="0"/>
-              <a:buChar char="•"/>
-            </a:pPr>
-            <a:endParaRPr lang="en-US" sz="1200" kern="1200" dirty="0" smtClean="0">
-              <a:solidFill>
-                <a:schemeClr val="tx1"/>
-              </a:solidFill>
-              <a:effectLst/>
-              <a:latin typeface="+mn-lt"/>
-              <a:ea typeface="+mn-ea"/>
-              <a:cs typeface="+mn-cs"/>
-            </a:endParaRPr>
-          </a:p>
-          <a:p>
-            <a:pPr marL="171450" indent="-171450">
-              <a:buFont typeface="Arial" charset="0"/>
-              <a:buChar char="•"/>
-            </a:pPr>
-            <a:r>
-              <a:rPr lang="en-US" sz="1200" kern="1200" dirty="0" smtClean="0">
-                <a:solidFill>
-                  <a:schemeClr val="tx1"/>
-                </a:solidFill>
-                <a:effectLst/>
-                <a:latin typeface="+mn-lt"/>
-                <a:ea typeface="+mn-ea"/>
-                <a:cs typeface="+mn-cs"/>
-              </a:rPr>
-              <a:t>But we still have to work out the exact pixel location of each tile on the screen (we’ve done this – row and column * </a:t>
-            </a:r>
-            <a:r>
-              <a:rPr lang="en-US" sz="1200" kern="1200" dirty="0" err="1" smtClean="0">
-                <a:solidFill>
-                  <a:schemeClr val="tx1"/>
-                </a:solidFill>
-                <a:effectLst/>
-                <a:latin typeface="+mn-lt"/>
-                <a:ea typeface="+mn-ea"/>
-                <a:cs typeface="+mn-cs"/>
-              </a:rPr>
-              <a:t>tileside</a:t>
-            </a:r>
-            <a:r>
-              <a:rPr lang="en-US" sz="1200" kern="1200" dirty="0" smtClean="0">
-                <a:solidFill>
-                  <a:schemeClr val="tx1"/>
-                </a:solidFill>
-                <a:effectLst/>
-                <a:latin typeface="+mn-lt"/>
-                <a:ea typeface="+mn-ea"/>
-                <a:cs typeface="+mn-cs"/>
-              </a:rPr>
-              <a:t>)</a:t>
-            </a:r>
-          </a:p>
-          <a:p>
-            <a:pPr marL="171450" indent="-171450">
-              <a:buFont typeface="Arial" charset="0"/>
-              <a:buChar char="•"/>
-            </a:pPr>
-            <a:endParaRPr lang="en-US" sz="1200" kern="1200" dirty="0" smtClean="0">
-              <a:solidFill>
-                <a:schemeClr val="tx1"/>
-              </a:solidFill>
-              <a:effectLst/>
-              <a:latin typeface="+mn-lt"/>
-              <a:ea typeface="+mn-ea"/>
-              <a:cs typeface="+mn-cs"/>
-            </a:endParaRPr>
-          </a:p>
-          <a:p>
-            <a:pPr marL="171450" indent="-171450">
-              <a:buFont typeface="Arial" charset="0"/>
-              <a:buChar char="•"/>
-            </a:pPr>
-            <a:r>
-              <a:rPr lang="en-US" sz="1200" kern="1200" dirty="0" smtClean="0">
-                <a:solidFill>
-                  <a:schemeClr val="tx1"/>
-                </a:solidFill>
-                <a:effectLst/>
-                <a:latin typeface="+mn-lt"/>
-                <a:ea typeface="+mn-ea"/>
-                <a:cs typeface="+mn-cs"/>
-              </a:rPr>
-              <a:t>Extend for all tiles by iterating over the Viewport</a:t>
-            </a:r>
-          </a:p>
-          <a:p>
-            <a:pPr marL="171450" indent="-171450">
-              <a:buFont typeface="Arial" charset="0"/>
-              <a:buChar char="•"/>
-            </a:pPr>
-            <a:endParaRPr lang="en-US" sz="1200" kern="1200" dirty="0" smtClean="0">
-              <a:solidFill>
-                <a:schemeClr val="tx1"/>
-              </a:solidFill>
-              <a:effectLst/>
-              <a:latin typeface="+mn-lt"/>
-              <a:ea typeface="+mn-ea"/>
-              <a:cs typeface="+mn-cs"/>
-            </a:endParaRPr>
-          </a:p>
-          <a:p>
-            <a:pPr marL="171450" indent="-171450">
-              <a:buFont typeface="Arial" charset="0"/>
-              <a:buChar char="•"/>
-            </a:pPr>
-            <a:r>
-              <a:rPr lang="en-US" sz="1200" kern="1200" dirty="0" smtClean="0">
-                <a:solidFill>
-                  <a:schemeClr val="tx1"/>
-                </a:solidFill>
-                <a:effectLst/>
-                <a:latin typeface="+mn-lt"/>
-                <a:ea typeface="+mn-ea"/>
-                <a:cs typeface="+mn-cs"/>
-              </a:rPr>
-              <a:t>Therefore, to make a scrolling </a:t>
-            </a:r>
-            <a:r>
-              <a:rPr lang="en-US" sz="1200" kern="1200" dirty="0" err="1" smtClean="0">
-                <a:solidFill>
-                  <a:schemeClr val="tx1"/>
-                </a:solidFill>
-                <a:effectLst/>
-                <a:latin typeface="+mn-lt"/>
-                <a:ea typeface="+mn-ea"/>
-                <a:cs typeface="+mn-cs"/>
-              </a:rPr>
-              <a:t>tilemap</a:t>
-            </a:r>
-            <a:r>
-              <a:rPr lang="en-US" sz="1200" kern="1200" dirty="0" smtClean="0">
-                <a:solidFill>
-                  <a:schemeClr val="tx1"/>
-                </a:solidFill>
-                <a:effectLst/>
-                <a:latin typeface="+mn-lt"/>
-                <a:ea typeface="+mn-ea"/>
-                <a:cs typeface="+mn-cs"/>
-              </a:rPr>
-              <a:t>, we have to figure out:</a:t>
-            </a:r>
-          </a:p>
-          <a:p>
-            <a:pPr marL="628650" lvl="1" indent="-171450">
-              <a:buFont typeface="Arial" charset="0"/>
-              <a:buChar char="•"/>
-            </a:pPr>
-            <a:r>
-              <a:rPr lang="en-US" sz="1200" kern="1200" dirty="0" smtClean="0">
-                <a:solidFill>
-                  <a:schemeClr val="tx1"/>
-                </a:solidFill>
-                <a:effectLst/>
-                <a:latin typeface="+mn-lt"/>
-                <a:ea typeface="+mn-ea"/>
-                <a:cs typeface="+mn-cs"/>
-              </a:rPr>
-              <a:t>What tiles should be drawn</a:t>
-            </a:r>
-          </a:p>
-          <a:p>
-            <a:pPr marL="628650" lvl="1" indent="-171450">
-              <a:buFont typeface="Arial" charset="0"/>
-              <a:buChar char="•"/>
-            </a:pPr>
-            <a:r>
-              <a:rPr lang="en-US" sz="1200" kern="1200" dirty="0" smtClean="0">
-                <a:solidFill>
-                  <a:schemeClr val="tx1"/>
-                </a:solidFill>
-                <a:effectLst/>
-                <a:latin typeface="+mn-lt"/>
-                <a:ea typeface="+mn-ea"/>
-                <a:cs typeface="+mn-cs"/>
-              </a:rPr>
-              <a:t>Where they should be drawn</a:t>
-            </a:r>
-          </a:p>
-          <a:p>
-            <a:pPr marL="628650" lvl="1" indent="-171450">
-              <a:buFont typeface="Arial" charset="0"/>
-              <a:buChar char="•"/>
-            </a:pPr>
-            <a:endParaRPr lang="en-US" sz="1200" kern="1200" dirty="0" smtClean="0">
-              <a:solidFill>
-                <a:schemeClr val="tx1"/>
-              </a:solidFill>
-              <a:effectLst/>
-              <a:latin typeface="+mn-lt"/>
-              <a:ea typeface="+mn-ea"/>
-              <a:cs typeface="+mn-cs"/>
-            </a:endParaRPr>
-          </a:p>
-          <a:p>
-            <a:pPr marL="171450" indent="-171450">
-              <a:buFont typeface="Arial" charset="0"/>
-              <a:buChar char="•"/>
-            </a:pPr>
-            <a:r>
-              <a:rPr lang="en-US" sz="1200" kern="1200" dirty="0" smtClean="0">
-                <a:solidFill>
-                  <a:schemeClr val="tx1"/>
-                </a:solidFill>
-                <a:effectLst/>
-                <a:latin typeface="+mn-lt"/>
-                <a:ea typeface="+mn-ea"/>
-                <a:cs typeface="+mn-cs"/>
-              </a:rPr>
-              <a:t>As the Viewport moves, you need to re compute which part of the map should be visible</a:t>
-            </a:r>
-          </a:p>
-          <a:p>
-            <a:pPr marL="171450" indent="-171450">
-              <a:buFont typeface="Arial" charset="0"/>
-              <a:buChar char="•"/>
-            </a:pPr>
             <a:endParaRPr lang="en-US" sz="1200" kern="1200" dirty="0">
               <a:solidFill>
                 <a:schemeClr val="tx1"/>
@@ -3886,114 +2088,6 @@
               <a:buFont typeface="Arial" charset="0"/>
               <a:buChar char="•"/>
             </a:pPr>
-            <a:r>
-              <a:rPr lang="en-US" sz="1200" kern="1200" dirty="0" smtClean="0">
-                <a:solidFill>
-                  <a:schemeClr val="tx1"/>
-                </a:solidFill>
-                <a:effectLst/>
-                <a:latin typeface="+mn-lt"/>
-                <a:ea typeface="+mn-ea"/>
-                <a:cs typeface="+mn-cs"/>
-              </a:rPr>
-              <a:t>Another example of adding sprites</a:t>
-            </a:r>
-          </a:p>
-          <a:p>
-            <a:pPr marL="171450" indent="-171450">
-              <a:buFont typeface="Arial" charset="0"/>
-              <a:buChar char="•"/>
-            </a:pPr>
-            <a:endParaRPr lang="en-US" sz="1200" kern="1200" dirty="0" smtClean="0">
-              <a:solidFill>
-                <a:schemeClr val="tx1"/>
-              </a:solidFill>
-              <a:effectLst/>
-              <a:latin typeface="+mn-lt"/>
-              <a:ea typeface="+mn-ea"/>
-              <a:cs typeface="+mn-cs"/>
-            </a:endParaRPr>
-          </a:p>
-          <a:p>
-            <a:pPr marL="171450" indent="-171450">
-              <a:buFont typeface="Arial" charset="0"/>
-              <a:buChar char="•"/>
-            </a:pPr>
-            <a:r>
-              <a:rPr lang="en-US" sz="1200" kern="1200" dirty="0" smtClean="0">
-                <a:solidFill>
-                  <a:schemeClr val="tx1"/>
-                </a:solidFill>
-                <a:effectLst/>
-                <a:latin typeface="+mn-lt"/>
-                <a:ea typeface="+mn-ea"/>
-                <a:cs typeface="+mn-cs"/>
-              </a:rPr>
-              <a:t>You should see there is an equation here…</a:t>
-            </a:r>
-          </a:p>
-          <a:p>
-            <a:pPr marL="171450" indent="-171450">
-              <a:buFont typeface="Arial" charset="0"/>
-              <a:buChar char="•"/>
-            </a:pPr>
-            <a:endParaRPr lang="en-US" sz="1200" kern="1200" dirty="0" smtClean="0">
-              <a:solidFill>
-                <a:schemeClr val="tx1"/>
-              </a:solidFill>
-              <a:effectLst/>
-              <a:latin typeface="+mn-lt"/>
-              <a:ea typeface="+mn-ea"/>
-              <a:cs typeface="+mn-cs"/>
-            </a:endParaRPr>
-          </a:p>
-          <a:p>
-            <a:pPr marL="171450" indent="-171450">
-              <a:buFont typeface="Arial" charset="0"/>
-              <a:buChar char="•"/>
-            </a:pPr>
-            <a:r>
-              <a:rPr lang="en-US" sz="1200" kern="1200" dirty="0" smtClean="0">
-                <a:solidFill>
-                  <a:schemeClr val="tx1"/>
-                </a:solidFill>
-                <a:effectLst/>
-                <a:latin typeface="+mn-lt"/>
-                <a:ea typeface="+mn-ea"/>
-                <a:cs typeface="+mn-cs"/>
-              </a:rPr>
-              <a:t>We’ll look in more detail at the </a:t>
-            </a:r>
-            <a:r>
-              <a:rPr lang="en-US" sz="1200" kern="1200" dirty="0" err="1" smtClean="0">
-                <a:solidFill>
-                  <a:schemeClr val="tx1"/>
-                </a:solidFill>
-                <a:effectLst/>
-                <a:latin typeface="+mn-lt"/>
-                <a:ea typeface="+mn-ea"/>
-                <a:cs typeface="+mn-cs"/>
-              </a:rPr>
-              <a:t>maths</a:t>
-            </a:r>
-            <a:r>
-              <a:rPr lang="en-US" sz="1200" kern="1200" dirty="0" smtClean="0">
-                <a:solidFill>
-                  <a:schemeClr val="tx1"/>
-                </a:solidFill>
-                <a:effectLst/>
-                <a:latin typeface="+mn-lt"/>
-                <a:ea typeface="+mn-ea"/>
-                <a:cs typeface="+mn-cs"/>
-              </a:rPr>
-              <a:t> in practical</a:t>
-            </a:r>
-          </a:p>
-          <a:p>
-            <a:pPr marL="171450" indent="-171450">
-              <a:buFont typeface="Arial" charset="0"/>
-              <a:buChar char="•"/>
-            </a:pPr>
             <a:endParaRPr lang="en-US" sz="1200" kern="1200" dirty="0">
               <a:solidFill>
                 <a:schemeClr val="tx1"/>
@@ -4087,123 +2181,6 @@
           <a:lstStyle/>
           <a:p>
             <a:pPr marL="171450" indent="-171450">
-              <a:buFont typeface="Arial" charset="0"/>
-              <a:buChar char="•"/>
-            </a:pPr>
-            <a:r>
-              <a:rPr lang="en-US" sz="1200" kern="1200" dirty="0" smtClean="0">
-                <a:solidFill>
-                  <a:schemeClr val="tx1"/>
-                </a:solidFill>
-                <a:effectLst/>
-                <a:latin typeface="+mn-lt"/>
-                <a:ea typeface="+mn-ea"/>
-                <a:cs typeface="+mn-cs"/>
-              </a:rPr>
-              <a:t>We need to change the code from last week…</a:t>
-            </a:r>
-          </a:p>
-          <a:p>
-            <a:pPr marL="171450" indent="-171450">
-              <a:buFont typeface="Arial" charset="0"/>
-              <a:buChar char="•"/>
-            </a:pPr>
-            <a:endParaRPr lang="en-US" sz="1200" kern="1200" dirty="0" smtClean="0">
-              <a:solidFill>
-                <a:schemeClr val="tx1"/>
-              </a:solidFill>
-              <a:effectLst/>
-              <a:latin typeface="+mn-lt"/>
-              <a:ea typeface="+mn-ea"/>
-              <a:cs typeface="+mn-cs"/>
-            </a:endParaRPr>
-          </a:p>
-          <a:p>
-            <a:pPr marL="171450" indent="-171450">
-              <a:buFont typeface="Arial" charset="0"/>
-              <a:buChar char="•"/>
-            </a:pPr>
-            <a:r>
-              <a:rPr lang="en-US" sz="1200" kern="1200" dirty="0" smtClean="0">
-                <a:solidFill>
-                  <a:schemeClr val="tx1"/>
-                </a:solidFill>
-                <a:effectLst/>
-                <a:latin typeface="+mn-lt"/>
-                <a:ea typeface="+mn-ea"/>
-                <a:cs typeface="+mn-cs"/>
-              </a:rPr>
-              <a:t>You need to change the map rows and columns so that the map is much bigger than the Form</a:t>
-            </a:r>
-          </a:p>
-          <a:p>
-            <a:pPr marL="171450" indent="-171450">
-              <a:buFont typeface="Arial" charset="0"/>
-              <a:buChar char="•"/>
-            </a:pPr>
-            <a:endParaRPr lang="en-US" sz="1200" kern="1200" dirty="0" smtClean="0">
-              <a:solidFill>
-                <a:schemeClr val="tx1"/>
-              </a:solidFill>
-              <a:effectLst/>
-              <a:latin typeface="+mn-lt"/>
-              <a:ea typeface="+mn-ea"/>
-              <a:cs typeface="+mn-cs"/>
-            </a:endParaRPr>
-          </a:p>
-          <a:p>
-            <a:pPr marL="171450" indent="-171450">
-              <a:buFont typeface="Arial" charset="0"/>
-              <a:buChar char="•"/>
-            </a:pPr>
-            <a:r>
-              <a:rPr lang="en-US" sz="1200" kern="1200" dirty="0" smtClean="0">
-                <a:solidFill>
-                  <a:schemeClr val="tx1"/>
-                </a:solidFill>
-                <a:effectLst/>
-                <a:latin typeface="+mn-lt"/>
-                <a:ea typeface="+mn-ea"/>
-                <a:cs typeface="+mn-cs"/>
-              </a:rPr>
-              <a:t>Make them 10 times larger than the viewable area, just so we can really test moving around</a:t>
-            </a:r>
-          </a:p>
-          <a:p>
-            <a:pPr marL="171450" indent="-171450">
-              <a:buFont typeface="Arial" charset="0"/>
-              <a:buChar char="•"/>
-            </a:pPr>
-            <a:endParaRPr lang="en-US" sz="1200" kern="1200" dirty="0" smtClean="0">
-              <a:solidFill>
-                <a:schemeClr val="tx1"/>
-              </a:solidFill>
-              <a:effectLst/>
-              <a:latin typeface="+mn-lt"/>
-              <a:ea typeface="+mn-ea"/>
-              <a:cs typeface="+mn-cs"/>
-            </a:endParaRPr>
-          </a:p>
-          <a:p>
-            <a:pPr marL="171450" indent="-171450">
-              <a:buFont typeface="Arial" charset="0"/>
-              <a:buChar char="•"/>
-            </a:pPr>
-            <a:r>
-              <a:rPr lang="en-US" sz="1200" kern="1200" dirty="0" smtClean="0">
-                <a:solidFill>
-                  <a:schemeClr val="tx1"/>
-                </a:solidFill>
-                <a:effectLst/>
-                <a:latin typeface="+mn-lt"/>
-                <a:ea typeface="+mn-ea"/>
-                <a:cs typeface="+mn-cs"/>
-              </a:rPr>
-              <a:t>So if you are currently using a map that is 20 rows by 30 columns (like the demo file from last week), leave the Form the same size, but make the map 200 rows by 300 columns</a:t>
-            </a:r>
-          </a:p>
-          <a:p>
-            <a:pPr marL="171450" indent="-171450">
               <a:buFont typeface="Arial" panose="020B0604020202020204" pitchFamily="34" charset="0"/>
               <a:buChar char="•"/>
             </a:pPr>
@@ -4290,123 +2267,6 @@
         <p:txBody>
           <a:bodyPr/>
           <a:lstStyle/>
-          <a:p>
-            <a:pPr marL="171450" indent="-171450">
-              <a:buFont typeface="Arial" charset="0"/>
-              <a:buChar char="•"/>
-            </a:pPr>
-            <a:r>
-              <a:rPr lang="en-US" sz="1200" kern="1200" dirty="0" smtClean="0">
-                <a:solidFill>
-                  <a:schemeClr val="tx1"/>
-                </a:solidFill>
-                <a:effectLst/>
-                <a:latin typeface="+mn-lt"/>
-                <a:ea typeface="+mn-ea"/>
-                <a:cs typeface="+mn-cs"/>
-              </a:rPr>
-              <a:t>You need to create a Viewport class</a:t>
-            </a:r>
-          </a:p>
-          <a:p>
-            <a:pPr marL="171450" indent="-171450">
-              <a:buFont typeface="Arial" charset="0"/>
-              <a:buChar char="•"/>
-            </a:pPr>
-            <a:endParaRPr lang="en-US" sz="1200" kern="1200" dirty="0" smtClean="0">
-              <a:solidFill>
-                <a:schemeClr val="tx1"/>
-              </a:solidFill>
-              <a:effectLst/>
-              <a:latin typeface="+mn-lt"/>
-              <a:ea typeface="+mn-ea"/>
-              <a:cs typeface="+mn-cs"/>
-            </a:endParaRPr>
-          </a:p>
-          <a:p>
-            <a:pPr marL="171450" indent="-171450">
-              <a:buFont typeface="Arial" charset="0"/>
-              <a:buChar char="•"/>
-            </a:pPr>
-            <a:r>
-              <a:rPr lang="en-US" sz="1200" kern="1200" dirty="0" smtClean="0">
-                <a:solidFill>
-                  <a:schemeClr val="tx1"/>
-                </a:solidFill>
-                <a:effectLst/>
-                <a:latin typeface="+mn-lt"/>
-                <a:ea typeface="+mn-ea"/>
-                <a:cs typeface="+mn-cs"/>
-              </a:rPr>
-              <a:t>It will be responsible for the viewable area</a:t>
-            </a:r>
-          </a:p>
-          <a:p>
-            <a:pPr marL="171450" indent="-171450">
-              <a:buFont typeface="Arial" charset="0"/>
-              <a:buChar char="•"/>
-            </a:pPr>
-            <a:endParaRPr lang="en-US" sz="1200" kern="1200" dirty="0" smtClean="0">
-              <a:solidFill>
-                <a:schemeClr val="tx1"/>
-              </a:solidFill>
-              <a:effectLst/>
-              <a:latin typeface="+mn-lt"/>
-              <a:ea typeface="+mn-ea"/>
-              <a:cs typeface="+mn-cs"/>
-            </a:endParaRPr>
-          </a:p>
-          <a:p>
-            <a:pPr marL="171450" indent="-171450">
-              <a:buFont typeface="Arial" charset="0"/>
-              <a:buChar char="•"/>
-            </a:pPr>
-            <a:r>
-              <a:rPr lang="en-US" sz="1200" kern="1200" dirty="0" smtClean="0">
-                <a:solidFill>
-                  <a:schemeClr val="tx1"/>
-                </a:solidFill>
-                <a:effectLst/>
-                <a:latin typeface="+mn-lt"/>
-                <a:ea typeface="+mn-ea"/>
-                <a:cs typeface="+mn-cs"/>
-              </a:rPr>
-              <a:t>In our first practical, we will brute force move the Viewport around with the arrow keys</a:t>
-            </a:r>
-          </a:p>
-          <a:p>
-            <a:pPr marL="171450" indent="-171450">
-              <a:buFont typeface="Arial" charset="0"/>
-              <a:buChar char="•"/>
-            </a:pPr>
-            <a:endParaRPr lang="en-US" sz="1200" kern="1200" dirty="0" smtClean="0">
-              <a:solidFill>
-                <a:schemeClr val="tx1"/>
-              </a:solidFill>
-              <a:effectLst/>
-              <a:latin typeface="+mn-lt"/>
-              <a:ea typeface="+mn-ea"/>
-              <a:cs typeface="+mn-cs"/>
-            </a:endParaRPr>
-          </a:p>
-          <a:p>
-            <a:pPr marL="171450" indent="-171450">
-              <a:buFont typeface="Arial" charset="0"/>
-              <a:buChar char="•"/>
-            </a:pPr>
-            <a:r>
-              <a:rPr lang="en-US" sz="1200" kern="1200" dirty="0" smtClean="0">
-                <a:solidFill>
-                  <a:schemeClr val="tx1"/>
-                </a:solidFill>
-                <a:effectLst/>
-                <a:latin typeface="+mn-lt"/>
-                <a:ea typeface="+mn-ea"/>
-                <a:cs typeface="+mn-cs"/>
-              </a:rPr>
-              <a:t>(But, in a roguelike, the Viewport is centred around the player character, so you place its upper left by shifting it over and up from the upper left of the player character. We do this in the next practical.)</a:t>
-            </a:r>
-          </a:p>
           <a:p>
             <a:pPr marL="171450" indent="-171450">
               <a:buFont typeface="Arial" panose="020B0604020202020204" pitchFamily="34" charset="0"/>
@@ -4633,7 +2493,7 @@
           <a:p>
             <a:fld id="{F8166F1F-CE9B-4651-A6AA-CD717754106B}" type="datetimeFigureOut">
               <a:rPr lang="en-US" smtClean="0"/>
-              <a:t>2/19/20</a:t>
+              <a:t>3/24/20</a:t>
             </a:fld>
             <a:endParaRPr lang="en-US"/>
           </a:p>
@@ -4798,7 +2658,7 @@
           <a:p>
             <a:fld id="{A76116CE-C4A3-4A05-B2D7-7C2E9A889C0F}" type="datetimeFigureOut">
               <a:rPr lang="en-US" smtClean="0"/>
-              <a:t>2/19/20</a:t>
+              <a:t>3/24/20</a:t>
             </a:fld>
             <a:endParaRPr lang="en-US"/>
           </a:p>
@@ -4973,7 +2833,7 @@
           <a:p>
             <a:fld id="{A76116CE-C4A3-4A05-B2D7-7C2E9A889C0F}" type="datetimeFigureOut">
               <a:rPr lang="en-US" smtClean="0"/>
-              <a:t>2/19/20</a:t>
+              <a:t>3/24/20</a:t>
             </a:fld>
             <a:endParaRPr lang="en-US"/>
           </a:p>
@@ -5140,7 +3000,7 @@
           <a:p>
             <a:fld id="{A76116CE-C4A3-4A05-B2D7-7C2E9A889C0F}" type="datetimeFigureOut">
               <a:rPr lang="en-US" smtClean="0"/>
-              <a:t>2/19/20</a:t>
+              <a:t>3/24/20</a:t>
             </a:fld>
             <a:endParaRPr lang="en-US"/>
           </a:p>
@@ -5381,7 +3241,7 @@
           <a:p>
             <a:fld id="{A76116CE-C4A3-4A05-B2D7-7C2E9A889C0F}" type="datetimeFigureOut">
               <a:rPr lang="en-US" smtClean="0"/>
-              <a:t>2/19/20</a:t>
+              <a:t>3/24/20</a:t>
             </a:fld>
             <a:endParaRPr lang="en-US"/>
           </a:p>
@@ -5664,7 +3524,7 @@
           <a:p>
             <a:fld id="{A76116CE-C4A3-4A05-B2D7-7C2E9A889C0F}" type="datetimeFigureOut">
               <a:rPr lang="en-US" smtClean="0"/>
-              <a:t>2/19/20</a:t>
+              <a:t>3/24/20</a:t>
             </a:fld>
             <a:endParaRPr lang="en-US"/>
           </a:p>
@@ -6081,7 +3941,7 @@
           <a:p>
             <a:fld id="{A76116CE-C4A3-4A05-B2D7-7C2E9A889C0F}" type="datetimeFigureOut">
               <a:rPr lang="en-US" smtClean="0"/>
-              <a:t>2/19/20</a:t>
+              <a:t>3/24/20</a:t>
             </a:fld>
             <a:endParaRPr lang="en-US"/>
           </a:p>
@@ -6194,7 +4054,7 @@
           <a:p>
             <a:fld id="{A76116CE-C4A3-4A05-B2D7-7C2E9A889C0F}" type="datetimeFigureOut">
               <a:rPr lang="en-US" smtClean="0"/>
-              <a:t>2/19/20</a:t>
+              <a:t>3/24/20</a:t>
             </a:fld>
             <a:endParaRPr lang="en-US"/>
           </a:p>
@@ -6284,7 +4144,7 @@
           <a:p>
             <a:fld id="{A76116CE-C4A3-4A05-B2D7-7C2E9A889C0F}" type="datetimeFigureOut">
               <a:rPr lang="en-US" smtClean="0"/>
-              <a:t>2/19/20</a:t>
+              <a:t>3/24/20</a:t>
             </a:fld>
             <a:endParaRPr lang="en-US"/>
           </a:p>
@@ -6556,7 +4416,7 @@
           <a:p>
             <a:fld id="{A76116CE-C4A3-4A05-B2D7-7C2E9A889C0F}" type="datetimeFigureOut">
               <a:rPr lang="en-US" smtClean="0"/>
-              <a:t>2/19/20</a:t>
+              <a:t>3/24/20</a:t>
             </a:fld>
             <a:endParaRPr lang="en-US"/>
           </a:p>
@@ -6804,7 +4664,7 @@
           <a:p>
             <a:fld id="{A76116CE-C4A3-4A05-B2D7-7C2E9A889C0F}" type="datetimeFigureOut">
               <a:rPr lang="en-US" smtClean="0"/>
-              <a:t>2/19/20</a:t>
+              <a:t>3/24/20</a:t>
             </a:fld>
             <a:endParaRPr lang="en-US"/>
           </a:p>
@@ -7012,7 +4872,7 @@
           <a:p>
             <a:fld id="{F8166F1F-CE9B-4651-A6AA-CD717754106B}" type="datetimeFigureOut">
               <a:rPr lang="en-US" smtClean="0"/>
-              <a:t>2/19/20</a:t>
+              <a:t>3/24/20</a:t>
             </a:fld>
             <a:endParaRPr lang="en-US"/>
           </a:p>
@@ -7504,11 +5364,7 @@
             </a:r>
             <a:r>
               <a:rPr lang="en-US" sz="3000" b="1" smtClean="0"/>
-              <a:t>25 </a:t>
-            </a:r>
-            <a:r>
-              <a:rPr lang="en-US" sz="3000" b="1" smtClean="0"/>
-              <a:t>March</a:t>
+              <a:t>25 March</a:t>
             </a:r>
             <a:endParaRPr lang="en-US" sz="3000" b="1" dirty="0"/>
           </a:p>
